--- a/Week 15 - Add some Sizzle.pptx
+++ b/Week 15 - Add some Sizzle.pptx
@@ -340,7 +340,7 @@
           <a:p>
             <a:fld id="{9AB3A824-1A51-4B26-AD58-A6D8E14F6C04}" type="datetimeFigureOut">
               <a:rPr lang="en-US" smtClean="0"/>
-              <a:t>4/20/22</a:t>
+              <a:t>8/9/22</a:t>
             </a:fld>
             <a:endParaRPr lang="en-US" dirty="0"/>
           </a:p>
@@ -680,7 +680,7 @@
           <a:p>
             <a:fld id="{D857E33E-8B18-4087-B112-809917729534}" type="datetimeFigureOut">
               <a:rPr lang="en-US" smtClean="0"/>
-              <a:t>4/20/22</a:t>
+              <a:t>8/9/22</a:t>
             </a:fld>
             <a:endParaRPr lang="en-US" dirty="0"/>
           </a:p>
@@ -988,7 +988,7 @@
           <a:p>
             <a:fld id="{D3FFE419-2371-464F-8239-3959401C3561}" type="datetimeFigureOut">
               <a:rPr lang="en-US" smtClean="0"/>
-              <a:t>4/20/22</a:t>
+              <a:t>8/9/22</a:t>
             </a:fld>
             <a:endParaRPr lang="en-US" dirty="0"/>
           </a:p>
@@ -1241,7 +1241,7 @@
           <a:p>
             <a:fld id="{97D162C4-EDD9-4389-A98B-B87ECEA2A816}" type="datetimeFigureOut">
               <a:rPr lang="en-US" smtClean="0"/>
-              <a:t>4/20/22</a:t>
+              <a:t>8/9/22</a:t>
             </a:fld>
             <a:endParaRPr lang="en-US" dirty="0"/>
           </a:p>
@@ -1654,7 +1654,7 @@
           <a:p>
             <a:fld id="{3E5059C3-6A89-4494-99FF-5A4D6FFD50EB}" type="datetimeFigureOut">
               <a:rPr lang="en-US" smtClean="0"/>
-              <a:t>4/20/22</a:t>
+              <a:t>8/9/22</a:t>
             </a:fld>
             <a:endParaRPr lang="en-US" dirty="0"/>
           </a:p>
@@ -1974,7 +1974,7 @@
           <a:p>
             <a:fld id="{CA954B2F-12DE-47F5-8894-472B206D2E1E}" type="datetimeFigureOut">
               <a:rPr lang="en-US" smtClean="0"/>
-              <a:t>4/20/22</a:t>
+              <a:t>8/9/22</a:t>
             </a:fld>
             <a:endParaRPr lang="en-US" dirty="0"/>
           </a:p>
@@ -2524,7 +2524,7 @@
           <a:p>
             <a:fld id="{3F30E46F-7819-4ACF-B48B-48222C2ACC88}" type="datetimeFigureOut">
               <a:rPr lang="en-US" smtClean="0"/>
-              <a:t>4/20/22</a:t>
+              <a:t>8/9/22</a:t>
             </a:fld>
             <a:endParaRPr lang="en-US" dirty="0"/>
           </a:p>
@@ -2725,7 +2725,7 @@
           <a:p>
             <a:fld id="{1FAF3416-4057-4DAA-829D-4CA07428D088}" type="datetimeFigureOut">
               <a:rPr lang="en-US" smtClean="0"/>
-              <a:t>4/20/22</a:t>
+              <a:t>8/9/22</a:t>
             </a:fld>
             <a:endParaRPr lang="en-US" dirty="0"/>
           </a:p>
@@ -2944,7 +2944,7 @@
           <a:p>
             <a:fld id="{921D9284-D300-4297-87F7-E791DCC15DB1}" type="datetimeFigureOut">
               <a:rPr lang="en-US" smtClean="0"/>
-              <a:t>4/20/22</a:t>
+              <a:t>8/9/22</a:t>
             </a:fld>
             <a:endParaRPr lang="en-US" dirty="0"/>
           </a:p>
@@ -3319,7 +3319,7 @@
           <a:p>
             <a:fld id="{37D525BB-DA17-4BA0-B3C8-3AC3ABC827E6}" type="datetimeFigureOut">
               <a:rPr lang="en-US" smtClean="0"/>
-              <a:t>4/20/22</a:t>
+              <a:t>8/9/22</a:t>
             </a:fld>
             <a:endParaRPr lang="en-US" dirty="0"/>
           </a:p>
@@ -3728,7 +3728,7 @@
           <a:p>
             <a:fld id="{B16C4C9A-3960-41CF-A4E9-2A8FB932454B}" type="datetimeFigureOut">
               <a:rPr lang="en-US" smtClean="0"/>
-              <a:t>4/20/22</a:t>
+              <a:t>8/9/22</a:t>
             </a:fld>
             <a:endParaRPr lang="en-US" dirty="0"/>
           </a:p>
@@ -4045,7 +4045,7 @@
           <a:p>
             <a:fld id="{3CBC1C18-307B-4F68-A007-B5B542270E8D}" type="datetimeFigureOut">
               <a:rPr lang="en-US" smtClean="0"/>
-              <a:t>4/20/22</a:t>
+              <a:t>8/9/22</a:t>
             </a:fld>
             <a:endParaRPr lang="en-US" dirty="0"/>
           </a:p>
